--- a/docs/전기프2_쁠쁠밸리_2주차.pptx
+++ b/docs/전기프2_쁠쁠밸리_2주차.pptx
@@ -117,7 +117,18 @@
   </p:defaultTextStyle>
   <p:extLst>
     <p:ext uri="{EFAFB233-063F-42B5-8137-9DF3F51BA10A}">
-      <p15:sldGuideLst xmlns:p15="http://schemas.microsoft.com/office/powerpoint/2012/main"/>
+      <p15:sldGuideLst xmlns:p15="http://schemas.microsoft.com/office/powerpoint/2012/main">
+        <p15:guide id="1" orient="horz" pos="2160">
+          <p15:clr>
+            <a:srgbClr val="A4A3A4"/>
+          </p15:clr>
+        </p15:guide>
+        <p15:guide id="2" pos="3840">
+          <p15:clr>
+            <a:srgbClr val="A4A3A4"/>
+          </p15:clr>
+        </p15:guide>
+      </p15:sldGuideLst>
     </p:ext>
   </p:extLst>
 </p:presentation>
@@ -270,7 +281,8 @@
           <a:p>
             <a:fld id="{C835A31B-3310-4D1A-9032-E31AE5C76220}" type="datetimeFigureOut">
               <a:rPr lang="ko-KR" altLang="en-US" smtClean="0"/>
-              <a:t>2019-05-27</a:t>
+              <a:pPr/>
+              <a:t>2019-05-28</a:t>
             </a:fld>
             <a:endParaRPr lang="ko-KR" altLang="en-US"/>
           </a:p>
@@ -324,6 +336,7 @@
           <a:p>
             <a:fld id="{E185A88E-CB95-4A60-A86B-7A81A7FC8B88}" type="slidenum">
               <a:rPr lang="ko-KR" altLang="en-US" smtClean="0"/>
+              <a:pPr/>
               <a:t>‹#›</a:t>
             </a:fld>
             <a:endParaRPr lang="ko-KR" altLang="en-US"/>
@@ -468,7 +481,8 @@
           <a:p>
             <a:fld id="{C835A31B-3310-4D1A-9032-E31AE5C76220}" type="datetimeFigureOut">
               <a:rPr lang="ko-KR" altLang="en-US" smtClean="0"/>
-              <a:t>2019-05-27</a:t>
+              <a:pPr/>
+              <a:t>2019-05-28</a:t>
             </a:fld>
             <a:endParaRPr lang="ko-KR" altLang="en-US"/>
           </a:p>
@@ -522,6 +536,7 @@
           <a:p>
             <a:fld id="{E185A88E-CB95-4A60-A86B-7A81A7FC8B88}" type="slidenum">
               <a:rPr lang="ko-KR" altLang="en-US" smtClean="0"/>
+              <a:pPr/>
               <a:t>‹#›</a:t>
             </a:fld>
             <a:endParaRPr lang="ko-KR" altLang="en-US"/>
@@ -676,7 +691,8 @@
           <a:p>
             <a:fld id="{C835A31B-3310-4D1A-9032-E31AE5C76220}" type="datetimeFigureOut">
               <a:rPr lang="ko-KR" altLang="en-US" smtClean="0"/>
-              <a:t>2019-05-27</a:t>
+              <a:pPr/>
+              <a:t>2019-05-28</a:t>
             </a:fld>
             <a:endParaRPr lang="ko-KR" altLang="en-US"/>
           </a:p>
@@ -730,6 +746,7 @@
           <a:p>
             <a:fld id="{E185A88E-CB95-4A60-A86B-7A81A7FC8B88}" type="slidenum">
               <a:rPr lang="ko-KR" altLang="en-US" smtClean="0"/>
+              <a:pPr/>
               <a:t>‹#›</a:t>
             </a:fld>
             <a:endParaRPr lang="ko-KR" altLang="en-US"/>
@@ -874,7 +891,8 @@
           <a:p>
             <a:fld id="{C835A31B-3310-4D1A-9032-E31AE5C76220}" type="datetimeFigureOut">
               <a:rPr lang="ko-KR" altLang="en-US" smtClean="0"/>
-              <a:t>2019-05-27</a:t>
+              <a:pPr/>
+              <a:t>2019-05-28</a:t>
             </a:fld>
             <a:endParaRPr lang="ko-KR" altLang="en-US"/>
           </a:p>
@@ -928,6 +946,7 @@
           <a:p>
             <a:fld id="{E185A88E-CB95-4A60-A86B-7A81A7FC8B88}" type="slidenum">
               <a:rPr lang="ko-KR" altLang="en-US" smtClean="0"/>
+              <a:pPr/>
               <a:t>‹#›</a:t>
             </a:fld>
             <a:endParaRPr lang="ko-KR" altLang="en-US"/>
@@ -1149,7 +1168,8 @@
           <a:p>
             <a:fld id="{C835A31B-3310-4D1A-9032-E31AE5C76220}" type="datetimeFigureOut">
               <a:rPr lang="ko-KR" altLang="en-US" smtClean="0"/>
-              <a:t>2019-05-27</a:t>
+              <a:pPr/>
+              <a:t>2019-05-28</a:t>
             </a:fld>
             <a:endParaRPr lang="ko-KR" altLang="en-US"/>
           </a:p>
@@ -1203,6 +1223,7 @@
           <a:p>
             <a:fld id="{E185A88E-CB95-4A60-A86B-7A81A7FC8B88}" type="slidenum">
               <a:rPr lang="ko-KR" altLang="en-US" smtClean="0"/>
+              <a:pPr/>
               <a:t>‹#›</a:t>
             </a:fld>
             <a:endParaRPr lang="ko-KR" altLang="en-US"/>
@@ -1414,7 +1435,8 @@
           <a:p>
             <a:fld id="{C835A31B-3310-4D1A-9032-E31AE5C76220}" type="datetimeFigureOut">
               <a:rPr lang="ko-KR" altLang="en-US" smtClean="0"/>
-              <a:t>2019-05-27</a:t>
+              <a:pPr/>
+              <a:t>2019-05-28</a:t>
             </a:fld>
             <a:endParaRPr lang="ko-KR" altLang="en-US"/>
           </a:p>
@@ -1468,6 +1490,7 @@
           <a:p>
             <a:fld id="{E185A88E-CB95-4A60-A86B-7A81A7FC8B88}" type="slidenum">
               <a:rPr lang="ko-KR" altLang="en-US" smtClean="0"/>
+              <a:pPr/>
               <a:t>‹#›</a:t>
             </a:fld>
             <a:endParaRPr lang="ko-KR" altLang="en-US"/>
@@ -1826,7 +1849,8 @@
           <a:p>
             <a:fld id="{C835A31B-3310-4D1A-9032-E31AE5C76220}" type="datetimeFigureOut">
               <a:rPr lang="ko-KR" altLang="en-US" smtClean="0"/>
-              <a:t>2019-05-27</a:t>
+              <a:pPr/>
+              <a:t>2019-05-28</a:t>
             </a:fld>
             <a:endParaRPr lang="ko-KR" altLang="en-US"/>
           </a:p>
@@ -1880,6 +1904,7 @@
           <a:p>
             <a:fld id="{E185A88E-CB95-4A60-A86B-7A81A7FC8B88}" type="slidenum">
               <a:rPr lang="ko-KR" altLang="en-US" smtClean="0"/>
+              <a:pPr/>
               <a:t>‹#›</a:t>
             </a:fld>
             <a:endParaRPr lang="ko-KR" altLang="en-US"/>
@@ -1967,7 +1992,8 @@
           <a:p>
             <a:fld id="{C835A31B-3310-4D1A-9032-E31AE5C76220}" type="datetimeFigureOut">
               <a:rPr lang="ko-KR" altLang="en-US" smtClean="0"/>
-              <a:t>2019-05-27</a:t>
+              <a:pPr/>
+              <a:t>2019-05-28</a:t>
             </a:fld>
             <a:endParaRPr lang="ko-KR" altLang="en-US"/>
           </a:p>
@@ -2021,6 +2047,7 @@
           <a:p>
             <a:fld id="{E185A88E-CB95-4A60-A86B-7A81A7FC8B88}" type="slidenum">
               <a:rPr lang="ko-KR" altLang="en-US" smtClean="0"/>
+              <a:pPr/>
               <a:t>‹#›</a:t>
             </a:fld>
             <a:endParaRPr lang="ko-KR" altLang="en-US"/>
@@ -2080,7 +2107,8 @@
           <a:p>
             <a:fld id="{C835A31B-3310-4D1A-9032-E31AE5C76220}" type="datetimeFigureOut">
               <a:rPr lang="ko-KR" altLang="en-US" smtClean="0"/>
-              <a:t>2019-05-27</a:t>
+              <a:pPr/>
+              <a:t>2019-05-28</a:t>
             </a:fld>
             <a:endParaRPr lang="ko-KR" altLang="en-US"/>
           </a:p>
@@ -2134,6 +2162,7 @@
           <a:p>
             <a:fld id="{E185A88E-CB95-4A60-A86B-7A81A7FC8B88}" type="slidenum">
               <a:rPr lang="ko-KR" altLang="en-US" smtClean="0"/>
+              <a:pPr/>
               <a:t>‹#›</a:t>
             </a:fld>
             <a:endParaRPr lang="ko-KR" altLang="en-US"/>
@@ -2391,7 +2420,8 @@
           <a:p>
             <a:fld id="{C835A31B-3310-4D1A-9032-E31AE5C76220}" type="datetimeFigureOut">
               <a:rPr lang="ko-KR" altLang="en-US" smtClean="0"/>
-              <a:t>2019-05-27</a:t>
+              <a:pPr/>
+              <a:t>2019-05-28</a:t>
             </a:fld>
             <a:endParaRPr lang="ko-KR" altLang="en-US"/>
           </a:p>
@@ -2445,6 +2475,7 @@
           <a:p>
             <a:fld id="{E185A88E-CB95-4A60-A86B-7A81A7FC8B88}" type="slidenum">
               <a:rPr lang="ko-KR" altLang="en-US" smtClean="0"/>
+              <a:pPr/>
               <a:t>‹#›</a:t>
             </a:fld>
             <a:endParaRPr lang="ko-KR" altLang="en-US"/>
@@ -2679,7 +2710,8 @@
           <a:p>
             <a:fld id="{C835A31B-3310-4D1A-9032-E31AE5C76220}" type="datetimeFigureOut">
               <a:rPr lang="ko-KR" altLang="en-US" smtClean="0"/>
-              <a:t>2019-05-27</a:t>
+              <a:pPr/>
+              <a:t>2019-05-28</a:t>
             </a:fld>
             <a:endParaRPr lang="ko-KR" altLang="en-US"/>
           </a:p>
@@ -2733,6 +2765,7 @@
           <a:p>
             <a:fld id="{E185A88E-CB95-4A60-A86B-7A81A7FC8B88}" type="slidenum">
               <a:rPr lang="ko-KR" altLang="en-US" smtClean="0"/>
+              <a:pPr/>
               <a:t>‹#›</a:t>
             </a:fld>
             <a:endParaRPr lang="ko-KR" altLang="en-US"/>
@@ -2920,7 +2953,8 @@
           <a:p>
             <a:fld id="{C835A31B-3310-4D1A-9032-E31AE5C76220}" type="datetimeFigureOut">
               <a:rPr lang="ko-KR" altLang="en-US" smtClean="0"/>
-              <a:t>2019-05-27</a:t>
+              <a:pPr/>
+              <a:t>2019-05-28</a:t>
             </a:fld>
             <a:endParaRPr lang="ko-KR" altLang="en-US"/>
           </a:p>
@@ -3010,6 +3044,7 @@
           <a:p>
             <a:fld id="{E185A88E-CB95-4A60-A86B-7A81A7FC8B88}" type="slidenum">
               <a:rPr lang="ko-KR" altLang="en-US" smtClean="0"/>
+              <a:pPr/>
               <a:t>‹#›</a:t>
             </a:fld>
             <a:endParaRPr lang="ko-KR" altLang="en-US"/>
@@ -5271,7 +5306,7 @@
           <p:nvPr/>
         </p:nvPicPr>
         <p:blipFill>
-          <a:blip r:embed="rId2">
+          <a:blip r:embed="rId2" cstate="print">
             <a:extLst>
               <a:ext uri="{28A0092B-C50C-407E-A947-70E740481C1C}">
                 <a14:useLocalDpi xmlns:a14="http://schemas.microsoft.com/office/drawing/2010/main" val="0"/>
@@ -5292,6 +5327,124 @@
           </a:prstGeom>
         </p:spPr>
       </p:pic>
+      <p:sp>
+        <p:nvSpPr>
+          <p:cNvPr id="8" name="TextBox 7">
+            <a:extLst>
+              <a:ext uri="{FF2B5EF4-FFF2-40B4-BE49-F238E27FC236}">
+                <a16:creationId xmlns:a16="http://schemas.microsoft.com/office/drawing/2014/main" id="{010DF240-920B-4843-8EE1-B4D1A8CFD219}"/>
+              </a:ext>
+            </a:extLst>
+          </p:cNvPr>
+          <p:cNvSpPr txBox="1"/>
+          <p:nvPr/>
+        </p:nvSpPr>
+        <p:spPr>
+          <a:xfrm>
+            <a:off x="5223038" y="2996512"/>
+            <a:ext cx="6307323" cy="2031325"/>
+          </a:xfrm>
+          <a:prstGeom prst="rect">
+            <a:avLst/>
+          </a:prstGeom>
+          <a:noFill/>
+        </p:spPr>
+        <p:txBody>
+          <a:bodyPr wrap="square" rtlCol="0">
+            <a:spAutoFit/>
+          </a:bodyPr>
+          <a:lstStyle/>
+          <a:p>
+            <a:r>
+              <a:rPr lang="en-US" altLang="ko-KR" dirty="0"/>
+              <a:t>- </a:t>
+            </a:r>
+            <a:r>
+              <a:rPr lang="ko-KR" altLang="en-US" dirty="0"/>
+              <a:t>성장 레벨을 나타내는 </a:t>
+            </a:r>
+            <a:r>
+              <a:rPr lang="en-US" altLang="ko-KR" dirty="0"/>
+              <a:t>level </a:t>
+            </a:r>
+            <a:r>
+              <a:rPr lang="ko-KR" altLang="en-US" dirty="0"/>
+              <a:t>변수</a:t>
+            </a:r>
+            <a:endParaRPr lang="en-US" altLang="ko-KR" dirty="0"/>
+          </a:p>
+          <a:p>
+            <a:endParaRPr lang="en-US" altLang="ko-KR" dirty="0"/>
+          </a:p>
+          <a:p>
+            <a:pPr>
+              <a:buFontTx/>
+              <a:buChar char="-"/>
+            </a:pPr>
+            <a:r>
+              <a:rPr lang="en-US" altLang="ko-KR" dirty="0"/>
+              <a:t>Input</a:t>
+            </a:r>
+            <a:r>
+              <a:rPr lang="ko-KR" altLang="en-US" dirty="0"/>
+              <a:t>으로 받은 좌표가 해당 물체의 좌표와 동일한지 </a:t>
+            </a:r>
+            <a:endParaRPr lang="en-US" altLang="ko-KR" dirty="0"/>
+          </a:p>
+          <a:p>
+            <a:r>
+              <a:rPr lang="en-US" altLang="ko-KR" dirty="0"/>
+              <a:t> </a:t>
+            </a:r>
+            <a:r>
+              <a:rPr lang="ko-KR" altLang="en-US" dirty="0"/>
+              <a:t>확인 하기 위한 </a:t>
+            </a:r>
+            <a:r>
+              <a:rPr lang="ko-KR" altLang="en-US" dirty="0" err="1"/>
+              <a:t>메소드</a:t>
+            </a:r>
+            <a:endParaRPr lang="en-US" altLang="ko-KR" dirty="0"/>
+          </a:p>
+          <a:p>
+            <a:pPr>
+              <a:buFontTx/>
+              <a:buChar char="-"/>
+            </a:pPr>
+            <a:endParaRPr lang="en-US" altLang="ko-KR" dirty="0"/>
+          </a:p>
+          <a:p>
+            <a:pPr>
+              <a:buFontTx/>
+              <a:buChar char="-"/>
+            </a:pPr>
+            <a:r>
+              <a:rPr lang="en-US" altLang="ko-KR" dirty="0"/>
+              <a:t> growth</a:t>
+            </a:r>
+            <a:r>
+              <a:rPr lang="ko-KR" altLang="en-US" dirty="0"/>
+              <a:t>가 일정 </a:t>
+            </a:r>
+            <a:r>
+              <a:rPr lang="en-US" altLang="ko-KR" dirty="0" err="1"/>
+              <a:t>growingPoint</a:t>
+            </a:r>
+            <a:r>
+              <a:rPr lang="ko-KR" altLang="en-US" dirty="0"/>
+              <a:t>에 도달하면 성장 레벨</a:t>
+            </a:r>
+            <a:r>
+              <a:rPr lang="en-US" altLang="ko-KR" dirty="0"/>
+              <a:t>(level)</a:t>
+            </a:r>
+            <a:r>
+              <a:rPr lang="ko-KR" altLang="en-US" dirty="0"/>
+              <a:t>을 증가시켜 성장을 시키는 메소드</a:t>
+            </a:r>
+          </a:p>
+        </p:txBody>
+      </p:sp>
     </p:spTree>
     <p:extLst>
       <p:ext uri="{BB962C8B-B14F-4D97-AF65-F5344CB8AC3E}">
@@ -9895,7 +10048,7 @@
           <p:nvPr/>
         </p:nvPicPr>
         <p:blipFill>
-          <a:blip r:embed="rId2">
+          <a:blip r:embed="rId2" cstate="print">
             <a:extLst>
               <a:ext uri="{28A0092B-C50C-407E-A947-70E740481C1C}">
                 <a14:useLocalDpi xmlns:a14="http://schemas.microsoft.com/office/drawing/2010/main" val="0"/>
@@ -11379,10 +11532,10 @@
       </p:sp>
       <p:pic>
         <p:nvPicPr>
-          <p:cNvPr id="5" name="그림 4">
-            <a:extLst>
-              <a:ext uri="{FF2B5EF4-FFF2-40B4-BE49-F238E27FC236}">
-                <a16:creationId xmlns:a16="http://schemas.microsoft.com/office/drawing/2014/main" id="{8C956A63-0986-4184-A0E3-7F86E6BA8EA6}"/>
+          <p:cNvPr id="3" name="그림 2" descr="스크린샷이(가) 표시된 사진&#10;&#10;자동 생성된 설명">
+            <a:extLst>
+              <a:ext uri="{FF2B5EF4-FFF2-40B4-BE49-F238E27FC236}">
+                <a16:creationId xmlns:a16="http://schemas.microsoft.com/office/drawing/2014/main" id="{B36A0873-882F-46AF-965A-4648343909D8}"/>
               </a:ext>
             </a:extLst>
           </p:cNvPr>
@@ -11405,8 +11558,8 @@
         </p:blipFill>
         <p:spPr>
           <a:xfrm>
-            <a:off x="0" y="1888308"/>
-            <a:ext cx="12192000" cy="4875288"/>
+            <a:off x="0" y="2107884"/>
+            <a:ext cx="12192000" cy="4084169"/>
           </a:xfrm>
           <a:prstGeom prst="rect">
             <a:avLst/>
@@ -11775,7 +11928,7 @@
           <p:nvPr/>
         </p:nvPicPr>
         <p:blipFill>
-          <a:blip r:embed="rId2">
+          <a:blip r:embed="rId2" cstate="print">
             <a:extLst>
               <a:ext uri="{28A0092B-C50C-407E-A947-70E740481C1C}">
                 <a14:useLocalDpi xmlns:a14="http://schemas.microsoft.com/office/drawing/2010/main" val="0"/>
@@ -12297,7 +12450,7 @@
           <p:nvPr/>
         </p:nvPicPr>
         <p:blipFill>
-          <a:blip r:embed="rId2">
+          <a:blip r:embed="rId2" cstate="print">
             <a:extLst>
               <a:ext uri="{28A0092B-C50C-407E-A947-70E740481C1C}">
                 <a14:useLocalDpi xmlns:a14="http://schemas.microsoft.com/office/drawing/2010/main" val="0"/>
@@ -12333,7 +12486,7 @@
           <p:nvPr/>
         </p:nvPicPr>
         <p:blipFill>
-          <a:blip r:embed="rId3">
+          <a:blip r:embed="rId3" cstate="print">
             <a:extLst>
               <a:ext uri="{28A0092B-C50C-407E-A947-70E740481C1C}">
                 <a14:useLocalDpi xmlns:a14="http://schemas.microsoft.com/office/drawing/2010/main" val="0"/>
@@ -12346,7 +12499,7 @@
         </p:blipFill>
         <p:spPr>
           <a:xfrm>
-            <a:off x="5725431" y="1995672"/>
+            <a:off x="6461601" y="2065414"/>
             <a:ext cx="4995884" cy="4331177"/>
           </a:xfrm>
           <a:prstGeom prst="rect">
@@ -12370,7 +12523,7 @@
         </p:nvCxnSpPr>
         <p:spPr>
           <a:xfrm flipH="1">
-            <a:off x="4413483" y="2483137"/>
+            <a:off x="4770372" y="2609298"/>
             <a:ext cx="960027" cy="819702"/>
           </a:xfrm>
           <a:prstGeom prst="line">
@@ -12414,7 +12567,7 @@
         </p:nvCxnSpPr>
         <p:spPr>
           <a:xfrm flipH="1" flipV="1">
-            <a:off x="4413484" y="3429000"/>
+            <a:off x="4770373" y="3429000"/>
             <a:ext cx="960027" cy="984956"/>
           </a:xfrm>
           <a:prstGeom prst="line">
@@ -12804,7 +12957,7 @@
           <p:nvPr/>
         </p:nvPicPr>
         <p:blipFill>
-          <a:blip r:embed="rId2">
+          <a:blip r:embed="rId2" cstate="print">
             <a:extLst>
               <a:ext uri="{28A0092B-C50C-407E-A947-70E740481C1C}">
                 <a14:useLocalDpi xmlns:a14="http://schemas.microsoft.com/office/drawing/2010/main" val="0"/>
@@ -12817,8 +12970,8 @@
         </p:blipFill>
         <p:spPr>
           <a:xfrm>
-            <a:off x="1277573" y="2101042"/>
-            <a:ext cx="3691874" cy="4407386"/>
+            <a:off x="1269823" y="1995838"/>
+            <a:ext cx="3817496" cy="4512590"/>
           </a:xfrm>
           <a:prstGeom prst="rect">
             <a:avLst/>
@@ -12840,7 +12993,7 @@
           <p:nvPr/>
         </p:nvPicPr>
         <p:blipFill>
-          <a:blip r:embed="rId3">
+          <a:blip r:embed="rId3" cstate="print">
             <a:extLst>
               <a:ext uri="{28A0092B-C50C-407E-A947-70E740481C1C}">
                 <a14:useLocalDpi xmlns:a14="http://schemas.microsoft.com/office/drawing/2010/main" val="0"/>
@@ -12914,7 +13067,7 @@
         </p:nvGrpSpPr>
         <p:grpSpPr>
           <a:xfrm>
-            <a:off x="6096000" y="2938241"/>
+            <a:off x="5988630" y="2938241"/>
             <a:ext cx="2927538" cy="400110"/>
             <a:chOff x="5859964" y="5344876"/>
             <a:chExt cx="2927538" cy="400110"/>
@@ -13205,7 +13358,7 @@
         </p:nvSpPr>
         <p:spPr>
           <a:xfrm>
-            <a:off x="8099776" y="1995838"/>
+            <a:off x="7992406" y="1995838"/>
             <a:ext cx="422818" cy="400110"/>
           </a:xfrm>
           <a:prstGeom prst="roundRect">
@@ -13259,7 +13412,7 @@
         </p:nvGrpSpPr>
         <p:grpSpPr>
           <a:xfrm>
-            <a:off x="6096000" y="1995838"/>
+            <a:off x="5988630" y="1995838"/>
             <a:ext cx="2927538" cy="880284"/>
             <a:chOff x="5841797" y="5344876"/>
             <a:chExt cx="2927538" cy="880284"/>
@@ -13862,7 +14015,7 @@
         </p:nvSpPr>
         <p:spPr>
           <a:xfrm>
-            <a:off x="8066558" y="2476012"/>
+            <a:off x="7990490" y="2476012"/>
             <a:ext cx="422818" cy="400110"/>
           </a:xfrm>
           <a:prstGeom prst="roundRect">
@@ -13916,7 +14069,7 @@
         </p:nvSpPr>
         <p:spPr>
           <a:xfrm>
-            <a:off x="8099776" y="2938241"/>
+            <a:off x="7992406" y="2938241"/>
             <a:ext cx="422818" cy="400110"/>
           </a:xfrm>
           <a:prstGeom prst="roundRect">
@@ -14318,7 +14471,7 @@
           <p:nvPr/>
         </p:nvPicPr>
         <p:blipFill>
-          <a:blip r:embed="rId2">
+          <a:blip r:embed="rId2" cstate="print">
             <a:extLst>
               <a:ext uri="{28A0092B-C50C-407E-A947-70E740481C1C}">
                 <a14:useLocalDpi xmlns:a14="http://schemas.microsoft.com/office/drawing/2010/main" val="0"/>
@@ -14460,7 +14613,7 @@
           <p:nvPr/>
         </p:nvPicPr>
         <p:blipFill>
-          <a:blip r:embed="rId3">
+          <a:blip r:embed="rId3" cstate="print">
             <a:extLst>
               <a:ext uri="{28A0092B-C50C-407E-A947-70E740481C1C}">
                 <a14:useLocalDpi xmlns:a14="http://schemas.microsoft.com/office/drawing/2010/main" val="0"/>
@@ -14537,7 +14690,7 @@
     </a:clrScheme>
     <a:fontScheme name="Office">
       <a:majorFont>
-        <a:latin typeface="맑은 고딕" panose="020F0302020204030204"/>
+        <a:latin typeface="맑은 고딕"/>
         <a:ea typeface=""/>
         <a:cs typeface=""/>
         <a:font script="Jpan" typeface="游ゴシック Light"/>
@@ -14589,7 +14742,7 @@
         <a:font script="Tfng" typeface="Ebrima"/>
       </a:majorFont>
       <a:minorFont>
-        <a:latin typeface="맑은 고딕" panose="020F0502020204030204"/>
+        <a:latin typeface="맑은 고딕"/>
         <a:ea typeface=""/>
         <a:cs typeface=""/>
         <a:font script="Jpan" typeface="游ゴシック"/>
